--- a/a3_demo_presentation.pptx
+++ b/a3_demo_presentation.pptx
@@ -7,10 +7,11 @@
   <p:sldIdLst>
     <p:sldId id="256" r:id="rId2"/>
     <p:sldId id="257" r:id="rId3"/>
-    <p:sldId id="258" r:id="rId4"/>
-    <p:sldId id="259" r:id="rId5"/>
-    <p:sldId id="260" r:id="rId6"/>
-    <p:sldId id="261" r:id="rId7"/>
+    <p:sldId id="262" r:id="rId4"/>
+    <p:sldId id="258" r:id="rId5"/>
+    <p:sldId id="259" r:id="rId6"/>
+    <p:sldId id="260" r:id="rId7"/>
+    <p:sldId id="261" r:id="rId8"/>
   </p:sldIdLst>
   <p:sldSz cx="12192000" cy="6858000"/>
   <p:notesSz cx="6858000" cy="9144000"/>
@@ -5974,7 +5975,7 @@
           <a:lstStyle/>
           <a:p>
             <a:r>
-              <a:rPr lang="en-US" sz="2000" dirty="0"/>
+              <a:rPr lang="en-US" sz="2000" b="1" dirty="0"/>
               <a:t>The Naive Bayes Classier (NB-BOW)</a:t>
             </a:r>
           </a:p>
@@ -5983,7 +5984,7 @@
           </a:p>
           <a:p>
             <a:r>
-              <a:rPr lang="en-US" sz="2000" dirty="0"/>
+              <a:rPr lang="en-US" sz="2000" b="1" dirty="0"/>
               <a:t>Training Dataset</a:t>
             </a:r>
           </a:p>
@@ -6004,7 +6005,7 @@
           </a:p>
           <a:p>
             <a:r>
-              <a:rPr lang="en-US" sz="2000" dirty="0"/>
+              <a:rPr lang="en-US" sz="2000" b="1" dirty="0"/>
               <a:t>Examples:</a:t>
             </a:r>
           </a:p>
@@ -6121,7 +6122,7 @@
         <p:spPr>
           <a:xfrm>
             <a:off x="1040761" y="482599"/>
-            <a:ext cx="8001000" cy="5570756"/>
+            <a:ext cx="8001000" cy="5878532"/>
           </a:xfrm>
           <a:prstGeom prst="rect">
             <a:avLst/>
@@ -6135,8 +6136,41 @@
           <a:lstStyle/>
           <a:p>
             <a:r>
+              <a:rPr lang="en-US" sz="2000" b="1" dirty="0"/>
+              <a:t>Initial Dataset Analysis</a:t>
+            </a:r>
+          </a:p>
+          <a:p>
+            <a:endParaRPr lang="en-US" sz="2000" dirty="0"/>
+          </a:p>
+          <a:p>
+            <a:r>
               <a:rPr lang="en-US" sz="2000" dirty="0"/>
-              <a:t>Vocabulary</a:t>
+              <a:t>The dataset contained lots extra characters</a:t>
+            </a:r>
+          </a:p>
+          <a:p>
+            <a:r>
+              <a:rPr lang="en-US" sz="2000" dirty="0"/>
+              <a:t>	- symbols</a:t>
+            </a:r>
+          </a:p>
+          <a:p>
+            <a:r>
+              <a:rPr lang="en-US" sz="2000" dirty="0"/>
+              <a:t>	- other languages characters</a:t>
+            </a:r>
+          </a:p>
+          <a:p>
+            <a:r>
+              <a:rPr lang="en-US" sz="2000" dirty="0"/>
+              <a:t>	- html links</a:t>
+            </a:r>
+          </a:p>
+          <a:p>
+            <a:r>
+              <a:rPr lang="en-US" sz="2000" dirty="0"/>
+              <a:t>	- emojis</a:t>
             </a:r>
           </a:p>
           <a:p>
@@ -6145,13 +6179,16 @@
           <a:p>
             <a:r>
               <a:rPr lang="en-US" sz="2000" dirty="0"/>
-              <a:t>From the Training Dataset</a:t>
-            </a:r>
+              <a:t>These were filtered with regex before building the vocabulary</a:t>
+            </a:r>
+          </a:p>
+          <a:p>
+            <a:endParaRPr lang="en-US" sz="2000" dirty="0"/>
           </a:p>
           <a:p>
             <a:r>
               <a:rPr lang="en-US" sz="2000" dirty="0"/>
-              <a:t>	3125 unique words extracted</a:t>
+              <a:t>Extra spaces were also removed to avoid empty characters in the vocabulary</a:t>
             </a:r>
           </a:p>
           <a:p>
@@ -6160,7 +6197,7 @@
           <a:p>
             <a:r>
               <a:rPr lang="en-US" sz="2000" dirty="0"/>
-              <a:t>Filtering stop words</a:t>
+              <a:t>Stop words were also filtered</a:t>
             </a:r>
           </a:p>
           <a:p>
@@ -6184,36 +6221,6 @@
           <a:p>
             <a:pPr lvl="1"/>
             <a:endParaRPr lang="en-US" sz="1400" dirty="0"/>
-          </a:p>
-          <a:p>
-            <a:r>
-              <a:rPr lang="en-US" sz="2000" b="1" dirty="0"/>
-              <a:t>	3008 unique words for Original Vocabulary</a:t>
-            </a:r>
-          </a:p>
-          <a:p>
-            <a:endParaRPr lang="en-US" sz="2000" dirty="0"/>
-          </a:p>
-          <a:p>
-            <a:r>
-              <a:rPr lang="en-US" sz="2000" dirty="0"/>
-              <a:t>Filtering words that appear only once</a:t>
-            </a:r>
-          </a:p>
-          <a:p>
-            <a:endParaRPr lang="en-US" sz="2000" dirty="0"/>
-          </a:p>
-          <a:p>
-            <a:r>
-              <a:rPr lang="en-US" sz="2000" b="1" dirty="0"/>
-              <a:t>	1035 unique words Filtered Vocabulary</a:t>
-            </a:r>
-          </a:p>
-          <a:p>
-            <a:endParaRPr lang="en-US" sz="2000" dirty="0"/>
-          </a:p>
-          <a:p>
-            <a:endParaRPr lang="en-US" sz="2000" dirty="0"/>
           </a:p>
           <a:p>
             <a:r>
@@ -6226,7 +6233,7 @@
     </p:spTree>
     <p:extLst>
       <p:ext uri="{BB962C8B-B14F-4D97-AF65-F5344CB8AC3E}">
-        <p14:creationId xmlns:p14="http://schemas.microsoft.com/office/powerpoint/2010/main" val="1028849378"/>
+        <p14:creationId xmlns:p14="http://schemas.microsoft.com/office/powerpoint/2010/main" val="606821201"/>
       </p:ext>
     </p:extLst>
   </p:cSld>
@@ -6268,7 +6275,7 @@
         <p:spPr>
           <a:xfrm>
             <a:off x="1040761" y="482599"/>
-            <a:ext cx="8001000" cy="7140416"/>
+            <a:ext cx="8001000" cy="4001095"/>
           </a:xfrm>
           <a:prstGeom prst="rect">
             <a:avLst/>
@@ -6283,13 +6290,32 @@
           <a:p>
             <a:r>
               <a:rPr lang="en-US" sz="2000" b="1" dirty="0"/>
-              <a:t>Test Dataset</a:t>
-            </a:r>
+              <a:t>Vocabulary</a:t>
+            </a:r>
+          </a:p>
+          <a:p>
+            <a:endParaRPr lang="en-US" sz="2000" dirty="0"/>
           </a:p>
           <a:p>
             <a:r>
               <a:rPr lang="en-US" sz="2000" dirty="0"/>
-              <a:t>	Collection of 55 tweets</a:t>
+              <a:t>From the Training Dataset</a:t>
+            </a:r>
+          </a:p>
+          <a:p>
+            <a:r>
+              <a:rPr lang="en-US" sz="2000" dirty="0"/>
+              <a:t>	3125 unique words extracted</a:t>
+            </a:r>
+          </a:p>
+          <a:p>
+            <a:pPr lvl="1"/>
+            <a:endParaRPr lang="en-US" sz="1400" dirty="0"/>
+          </a:p>
+          <a:p>
+            <a:r>
+              <a:rPr lang="en-US" sz="2000" b="1" dirty="0"/>
+              <a:t>	V = 3008 unique words for Original Vocabulary</a:t>
             </a:r>
           </a:p>
           <a:p>
@@ -6298,145 +6324,39 @@
           <a:p>
             <a:r>
               <a:rPr lang="en-US" sz="2000" dirty="0"/>
-              <a:t>To avoid arithmetic underflow errors</a:t>
-            </a:r>
+              <a:t>Filtering words that appear only once</a:t>
+            </a:r>
+          </a:p>
+          <a:p>
+            <a:endParaRPr lang="en-US" sz="2000" dirty="0"/>
+          </a:p>
+          <a:p>
+            <a:r>
+              <a:rPr lang="en-US" sz="2000" b="1" dirty="0"/>
+              <a:t>	V = 1035 unique words Filtered Vocabulary</a:t>
+            </a:r>
+          </a:p>
+          <a:p>
+            <a:endParaRPr lang="en-US" sz="2000" dirty="0"/>
           </a:p>
           <a:p>
             <a:r>
               <a:rPr lang="en-US" sz="2000" dirty="0"/>
-              <a:t>	- </a:t>
-            </a:r>
-            <a:r>
-              <a:rPr lang="en-US" sz="2000" b="1" dirty="0"/>
-              <a:t>Additive smoothing</a:t>
-            </a:r>
+              <a:t>Both vocabularies had similar performance</a:t>
+            </a:r>
+          </a:p>
+          <a:p>
             <a:r>
               <a:rPr lang="en-US" sz="2000" dirty="0"/>
-              <a:t> applied</a:t>
-            </a:r>
-          </a:p>
-          <a:p>
-            <a:r>
-              <a:rPr lang="en-US" sz="2000" dirty="0"/>
-              <a:t>		alpha value = 0.01</a:t>
-            </a:r>
-          </a:p>
-          <a:p>
-            <a:r>
-              <a:rPr lang="en-US" sz="2000" dirty="0"/>
-              <a:t>	- </a:t>
-            </a:r>
-            <a:r>
-              <a:rPr lang="en-US" sz="2000" b="1" dirty="0"/>
-              <a:t>Log base 10</a:t>
-            </a:r>
-            <a:r>
-              <a:rPr lang="en-US" sz="2000" dirty="0"/>
-              <a:t> calculations</a:t>
-            </a:r>
-          </a:p>
-          <a:p>
-            <a:endParaRPr lang="en-US" sz="2000" dirty="0"/>
-          </a:p>
-          <a:p>
-            <a:r>
-              <a:rPr lang="en-US" sz="2000" b="1" dirty="0"/>
-              <a:t>Evaluations</a:t>
-            </a:r>
-          </a:p>
-          <a:p>
-            <a:pPr lvl="1"/>
-            <a:r>
-              <a:rPr lang="en-US" b="1" dirty="0"/>
-              <a:t>NB-BOW Original Vocabulary</a:t>
-            </a:r>
-            <a:endParaRPr lang="en-US" dirty="0"/>
-          </a:p>
-          <a:p>
-            <a:pPr lvl="1"/>
-            <a:r>
-              <a:rPr lang="en-US" dirty="0"/>
-              <a:t>Accuracy 		0.6364</a:t>
-            </a:r>
-          </a:p>
-          <a:p>
-            <a:pPr lvl="1"/>
-            <a:r>
-              <a:rPr lang="en-US" dirty="0"/>
-              <a:t>Precision 		0.4571  0.5429</a:t>
-            </a:r>
-          </a:p>
-          <a:p>
-            <a:pPr lvl="1"/>
-            <a:r>
-              <a:rPr lang="en-US" dirty="0"/>
-              <a:t>Recall 	  		0.8421  0.5278</a:t>
-            </a:r>
-          </a:p>
-          <a:p>
-            <a:pPr lvl="1"/>
-            <a:r>
-              <a:rPr lang="en-US" dirty="0"/>
-              <a:t>F1-measure  		0.5926  0.5352</a:t>
-            </a:r>
-          </a:p>
-          <a:p>
-            <a:pPr lvl="1"/>
-            <a:endParaRPr lang="en-US" dirty="0"/>
-          </a:p>
-          <a:p>
-            <a:pPr lvl="1"/>
-            <a:r>
-              <a:rPr lang="en-US" b="1" dirty="0"/>
-              <a:t>NB-BOW Filtered Vocabulary</a:t>
-            </a:r>
-          </a:p>
-          <a:p>
-            <a:pPr lvl="1"/>
-            <a:r>
-              <a:rPr lang="en-US" dirty="0"/>
-              <a:t>Accuracy 		0.6000</a:t>
-            </a:r>
-          </a:p>
-          <a:p>
-            <a:pPr lvl="1"/>
-            <a:r>
-              <a:rPr lang="en-US" dirty="0"/>
-              <a:t>Precision 		0.4242  0.5758</a:t>
-            </a:r>
-          </a:p>
-          <a:p>
-            <a:pPr lvl="1"/>
-            <a:r>
-              <a:rPr lang="en-US" dirty="0"/>
-              <a:t>Recall 	  		0.8235  0.5000</a:t>
-            </a:r>
-          </a:p>
-          <a:p>
-            <a:pPr lvl="1"/>
-            <a:r>
-              <a:rPr lang="en-US" dirty="0"/>
-              <a:t>F1-measure  		0.5600  0.5352</a:t>
-            </a:r>
-          </a:p>
-          <a:p>
-            <a:endParaRPr lang="en-US" sz="2000" dirty="0"/>
-          </a:p>
-          <a:p>
-            <a:endParaRPr lang="en-US" sz="2000" dirty="0"/>
-          </a:p>
-          <a:p>
-            <a:endParaRPr lang="en-US" sz="2000" dirty="0"/>
-          </a:p>
-          <a:p>
-            <a:endParaRPr lang="en-US" sz="2000" dirty="0"/>
+              <a:t>But the filtered one had a third of the original vocabulary.</a:t>
+            </a:r>
           </a:p>
         </p:txBody>
       </p:sp>
     </p:spTree>
     <p:extLst>
       <p:ext uri="{BB962C8B-B14F-4D97-AF65-F5344CB8AC3E}">
-        <p14:creationId xmlns:p14="http://schemas.microsoft.com/office/powerpoint/2010/main" val="1804973682"/>
+        <p14:creationId xmlns:p14="http://schemas.microsoft.com/office/powerpoint/2010/main" val="1028849378"/>
       </p:ext>
     </p:extLst>
   </p:cSld>
@@ -6478,7 +6398,7 @@
         <p:spPr>
           <a:xfrm>
             <a:off x="1040761" y="482599"/>
-            <a:ext cx="8001000" cy="6001643"/>
+            <a:ext cx="8001000" cy="7140416"/>
           </a:xfrm>
           <a:prstGeom prst="rect">
             <a:avLst/>
@@ -6493,26 +6413,56 @@
           <a:p>
             <a:r>
               <a:rPr lang="en-US" sz="2000" b="1" dirty="0"/>
-              <a:t>LSTM Classifier </a:t>
-            </a:r>
+              <a:t>Test Dataset</a:t>
+            </a:r>
+          </a:p>
+          <a:p>
             <a:r>
               <a:rPr lang="en-US" sz="2000" dirty="0"/>
-              <a:t>(LSTM-W2V)</a:t>
-            </a:r>
-          </a:p>
-          <a:p>
-            <a:endParaRPr lang="en-US" sz="2000" b="1" dirty="0"/>
+              <a:t>	Collection of 55 tweets</a:t>
+            </a:r>
+          </a:p>
+          <a:p>
+            <a:endParaRPr lang="en-US" sz="2000" dirty="0"/>
           </a:p>
           <a:p>
             <a:r>
               <a:rPr lang="en-US" sz="2000" dirty="0"/>
-              <a:t>This classifier implements a word to vector approach</a:t>
+              <a:t>To avoid arithmetic underflow errors</a:t>
             </a:r>
           </a:p>
           <a:p>
             <a:r>
               <a:rPr lang="en-US" sz="2000" dirty="0"/>
-              <a:t>Using LSTM and Word2Vec embeddings.</a:t>
+              <a:t>	- </a:t>
+            </a:r>
+            <a:r>
+              <a:rPr lang="en-US" sz="2000" b="1" dirty="0"/>
+              <a:t>Additive smoothing</a:t>
+            </a:r>
+            <a:r>
+              <a:rPr lang="en-US" sz="2000" dirty="0"/>
+              <a:t> applied</a:t>
+            </a:r>
+          </a:p>
+          <a:p>
+            <a:r>
+              <a:rPr lang="en-US" sz="2000" dirty="0"/>
+              <a:t>		alpha value = 0.01</a:t>
+            </a:r>
+          </a:p>
+          <a:p>
+            <a:r>
+              <a:rPr lang="en-US" sz="2000" dirty="0"/>
+              <a:t>	- </a:t>
+            </a:r>
+            <a:r>
+              <a:rPr lang="en-US" sz="2000" b="1" dirty="0"/>
+              <a:t>Log base 10</a:t>
+            </a:r>
+            <a:r>
+              <a:rPr lang="en-US" sz="2000" dirty="0"/>
+              <a:t> calculations</a:t>
             </a:r>
           </a:p>
           <a:p>
@@ -6520,87 +6470,92 @@
           </a:p>
           <a:p>
             <a:r>
-              <a:rPr lang="en-US" sz="2000" dirty="0"/>
-              <a:t>After running the script these were the output results obtained</a:t>
+              <a:rPr lang="en-US" sz="2000" b="1" dirty="0"/>
+              <a:t>Evaluations</a:t>
+            </a:r>
+          </a:p>
+          <a:p>
+            <a:pPr lvl="1"/>
+            <a:r>
+              <a:rPr lang="en-US" b="1" dirty="0"/>
+              <a:t>NB-BOW Original Vocabulary</a:t>
+            </a:r>
+            <a:endParaRPr lang="en-US" dirty="0"/>
+          </a:p>
+          <a:p>
+            <a:pPr lvl="1"/>
+            <a:r>
+              <a:rPr lang="en-US" dirty="0"/>
+              <a:t>Accuracy 		0.6364</a:t>
+            </a:r>
+          </a:p>
+          <a:p>
+            <a:pPr lvl="1"/>
+            <a:r>
+              <a:rPr lang="en-US" dirty="0"/>
+              <a:t>Precision 		0.4571  0.5429</a:t>
+            </a:r>
+          </a:p>
+          <a:p>
+            <a:pPr lvl="1"/>
+            <a:r>
+              <a:rPr lang="en-US" dirty="0"/>
+              <a:t>Recall 	  		0.8421  0.5278</a:t>
+            </a:r>
+          </a:p>
+          <a:p>
+            <a:pPr lvl="1"/>
+            <a:r>
+              <a:rPr lang="en-US" dirty="0"/>
+              <a:t>F1-measure  		0.5926  0.5352</a:t>
+            </a:r>
+          </a:p>
+          <a:p>
+            <a:pPr lvl="1"/>
+            <a:endParaRPr lang="en-US" dirty="0"/>
+          </a:p>
+          <a:p>
+            <a:pPr lvl="1"/>
+            <a:r>
+              <a:rPr lang="en-US" b="1" dirty="0"/>
+              <a:t>NB-BOW Filtered Vocabulary</a:t>
+            </a:r>
+          </a:p>
+          <a:p>
+            <a:pPr lvl="1"/>
+            <a:r>
+              <a:rPr lang="en-US" dirty="0"/>
+              <a:t>Accuracy 		0.6000</a:t>
+            </a:r>
+          </a:p>
+          <a:p>
+            <a:pPr lvl="1"/>
+            <a:r>
+              <a:rPr lang="en-US" dirty="0"/>
+              <a:t>Precision 		0.4242  0.5758</a:t>
+            </a:r>
+          </a:p>
+          <a:p>
+            <a:pPr lvl="1"/>
+            <a:r>
+              <a:rPr lang="en-US" dirty="0"/>
+              <a:t>Recall 	  		0.8235  0.5000</a:t>
+            </a:r>
+          </a:p>
+          <a:p>
+            <a:pPr lvl="1"/>
+            <a:r>
+              <a:rPr lang="en-US" dirty="0"/>
+              <a:t>F1-measure  		0.5600  0.5352</a:t>
             </a:r>
           </a:p>
           <a:p>
             <a:endParaRPr lang="en-US" sz="2000" dirty="0"/>
           </a:p>
           <a:p>
-            <a:r>
-              <a:rPr lang="en-US" sz="2000" b="1" dirty="0"/>
-              <a:t>	LSTM Classifier</a:t>
-            </a:r>
             <a:endParaRPr lang="en-US" sz="2000" dirty="0"/>
           </a:p>
           <a:p>
-            <a:pPr lvl="1"/>
-            <a:r>
-              <a:rPr lang="en-US" dirty="0"/>
-              <a:t>Accuracy 		0.7636</a:t>
-            </a:r>
-          </a:p>
-          <a:p>
-            <a:pPr lvl="1"/>
-            <a:r>
-              <a:rPr lang="en-US" dirty="0"/>
-              <a:t>Precision 		0.7381  0.8462</a:t>
-            </a:r>
-          </a:p>
-          <a:p>
-            <a:pPr lvl="1"/>
-            <a:r>
-              <a:rPr lang="en-US" dirty="0"/>
-              <a:t>Recall 	  		0.9394  0.5</a:t>
-            </a:r>
-          </a:p>
-          <a:p>
-            <a:pPr lvl="1"/>
-            <a:r>
-              <a:rPr lang="en-US" dirty="0"/>
-              <a:t>F1-measure  		0.8267  0.6286</a:t>
-            </a:r>
-          </a:p>
-          <a:p>
-            <a:endParaRPr lang="en-US" sz="2000" dirty="0"/>
-          </a:p>
-          <a:p>
-            <a:r>
-              <a:rPr lang="en-US" sz="2000" dirty="0"/>
-              <a:t>A second run of the script gave different results</a:t>
-            </a:r>
-          </a:p>
-          <a:p>
-            <a:endParaRPr lang="en-US" sz="2000" dirty="0"/>
-          </a:p>
-          <a:p>
-            <a:pPr lvl="1"/>
-            <a:r>
-              <a:rPr lang="en-US" dirty="0"/>
-              <a:t>Accuracy 		0.5273</a:t>
-            </a:r>
-          </a:p>
-          <a:p>
-            <a:pPr lvl="1"/>
-            <a:r>
-              <a:rPr lang="en-US" dirty="0"/>
-              <a:t>Precision 		0.8889  0.4565</a:t>
-            </a:r>
-          </a:p>
-          <a:p>
-            <a:pPr lvl="1"/>
-            <a:r>
-              <a:rPr lang="en-US" dirty="0"/>
-              <a:t>Recall 	  		0.2424  0.9545</a:t>
-            </a:r>
-          </a:p>
-          <a:p>
-            <a:pPr lvl="1"/>
-            <a:r>
-              <a:rPr lang="en-US" dirty="0"/>
-              <a:t>F1-measure  		0.381  0.6176</a:t>
-            </a:r>
             <a:endParaRPr lang="en-US" sz="2000" dirty="0"/>
           </a:p>
           <a:p>
@@ -6611,7 +6566,7 @@
     </p:spTree>
     <p:extLst>
       <p:ext uri="{BB962C8B-B14F-4D97-AF65-F5344CB8AC3E}">
-        <p14:creationId xmlns:p14="http://schemas.microsoft.com/office/powerpoint/2010/main" val="351642185"/>
+        <p14:creationId xmlns:p14="http://schemas.microsoft.com/office/powerpoint/2010/main" val="1804973682"/>
       </p:ext>
     </p:extLst>
   </p:cSld>
@@ -6653,7 +6608,7 @@
         <p:spPr>
           <a:xfrm>
             <a:off x="1040761" y="482599"/>
-            <a:ext cx="8001000" cy="6863417"/>
+            <a:ext cx="8001000" cy="6001643"/>
           </a:xfrm>
           <a:prstGeom prst="rect">
             <a:avLst/>
@@ -6668,6 +6623,181 @@
           <a:p>
             <a:r>
               <a:rPr lang="en-US" sz="2000" b="1" dirty="0"/>
+              <a:t>LSTM Classifier </a:t>
+            </a:r>
+            <a:r>
+              <a:rPr lang="en-US" sz="2000" dirty="0"/>
+              <a:t>(LSTM-W2V)</a:t>
+            </a:r>
+          </a:p>
+          <a:p>
+            <a:endParaRPr lang="en-US" sz="2000" b="1" dirty="0"/>
+          </a:p>
+          <a:p>
+            <a:r>
+              <a:rPr lang="en-US" sz="2000" dirty="0"/>
+              <a:t>This classifier implements a word to vector approach</a:t>
+            </a:r>
+          </a:p>
+          <a:p>
+            <a:r>
+              <a:rPr lang="en-US" sz="2000" dirty="0"/>
+              <a:t>Using LSTM and Word2Vec embeddings.</a:t>
+            </a:r>
+          </a:p>
+          <a:p>
+            <a:endParaRPr lang="en-US" sz="2000" dirty="0"/>
+          </a:p>
+          <a:p>
+            <a:r>
+              <a:rPr lang="en-US" sz="2000" dirty="0"/>
+              <a:t>After running the script these were the output results obtained</a:t>
+            </a:r>
+          </a:p>
+          <a:p>
+            <a:endParaRPr lang="en-US" sz="2000" dirty="0"/>
+          </a:p>
+          <a:p>
+            <a:r>
+              <a:rPr lang="en-US" sz="2000" b="1" dirty="0"/>
+              <a:t>	LSTM Classifier</a:t>
+            </a:r>
+            <a:endParaRPr lang="en-US" sz="2000" dirty="0"/>
+          </a:p>
+          <a:p>
+            <a:pPr lvl="1"/>
+            <a:r>
+              <a:rPr lang="en-US" dirty="0"/>
+              <a:t>Accuracy 		0.7636</a:t>
+            </a:r>
+          </a:p>
+          <a:p>
+            <a:pPr lvl="1"/>
+            <a:r>
+              <a:rPr lang="en-US" dirty="0"/>
+              <a:t>Precision 		0.7381  0.8462</a:t>
+            </a:r>
+          </a:p>
+          <a:p>
+            <a:pPr lvl="1"/>
+            <a:r>
+              <a:rPr lang="en-US" dirty="0"/>
+              <a:t>Recall 	  		0.9394  0.5</a:t>
+            </a:r>
+          </a:p>
+          <a:p>
+            <a:pPr lvl="1"/>
+            <a:r>
+              <a:rPr lang="en-US" dirty="0"/>
+              <a:t>F1-measure  		0.8267  0.6286</a:t>
+            </a:r>
+          </a:p>
+          <a:p>
+            <a:endParaRPr lang="en-US" sz="2000" dirty="0"/>
+          </a:p>
+          <a:p>
+            <a:r>
+              <a:rPr lang="en-US" sz="2000" dirty="0"/>
+              <a:t>A second run of the script gave different results</a:t>
+            </a:r>
+          </a:p>
+          <a:p>
+            <a:endParaRPr lang="en-US" sz="2000" dirty="0"/>
+          </a:p>
+          <a:p>
+            <a:pPr lvl="1"/>
+            <a:r>
+              <a:rPr lang="en-US" dirty="0"/>
+              <a:t>Accuracy 		0.5273</a:t>
+            </a:r>
+          </a:p>
+          <a:p>
+            <a:pPr lvl="1"/>
+            <a:r>
+              <a:rPr lang="en-US" dirty="0"/>
+              <a:t>Precision 		0.8889  0.4565</a:t>
+            </a:r>
+          </a:p>
+          <a:p>
+            <a:pPr lvl="1"/>
+            <a:r>
+              <a:rPr lang="en-US" dirty="0"/>
+              <a:t>Recall 	  		0.2424  0.9545</a:t>
+            </a:r>
+          </a:p>
+          <a:p>
+            <a:pPr lvl="1"/>
+            <a:r>
+              <a:rPr lang="en-US" dirty="0"/>
+              <a:t>F1-measure  		0.381  0.6176</a:t>
+            </a:r>
+            <a:endParaRPr lang="en-US" sz="2000" dirty="0"/>
+          </a:p>
+          <a:p>
+            <a:endParaRPr lang="en-US" sz="2000" dirty="0"/>
+          </a:p>
+        </p:txBody>
+      </p:sp>
+    </p:spTree>
+    <p:extLst>
+      <p:ext uri="{BB962C8B-B14F-4D97-AF65-F5344CB8AC3E}">
+        <p14:creationId xmlns:p14="http://schemas.microsoft.com/office/powerpoint/2010/main" val="351642185"/>
+      </p:ext>
+    </p:extLst>
+  </p:cSld>
+  <p:clrMapOvr>
+    <a:masterClrMapping/>
+  </p:clrMapOvr>
+</p:sld>
+</file>
+
+<file path=ppt/slides/slide7.xml><?xml version="1.0" encoding="utf-8"?>
+<p:sld xmlns:a="http://schemas.openxmlformats.org/drawingml/2006/main" xmlns:r="http://schemas.openxmlformats.org/officeDocument/2006/relationships" xmlns:p="http://schemas.openxmlformats.org/presentationml/2006/main">
+  <p:cSld>
+    <p:spTree>
+      <p:nvGrpSpPr>
+        <p:cNvPr id="1" name=""/>
+        <p:cNvGrpSpPr/>
+        <p:nvPr/>
+      </p:nvGrpSpPr>
+      <p:grpSpPr>
+        <a:xfrm>
+          <a:off x="0" y="0"/>
+          <a:ext cx="0" cy="0"/>
+          <a:chOff x="0" y="0"/>
+          <a:chExt cx="0" cy="0"/>
+        </a:xfrm>
+      </p:grpSpPr>
+      <p:sp>
+        <p:nvSpPr>
+          <p:cNvPr id="6" name="TextBox 5">
+            <a:extLst>
+              <a:ext uri="{FF2B5EF4-FFF2-40B4-BE49-F238E27FC236}">
+                <a16:creationId xmlns:a16="http://schemas.microsoft.com/office/drawing/2014/main" id="{34F9519F-5BCC-42BA-8C89-56B29AC811A1}"/>
+              </a:ext>
+            </a:extLst>
+          </p:cNvPr>
+          <p:cNvSpPr txBox="1"/>
+          <p:nvPr/>
+        </p:nvSpPr>
+        <p:spPr>
+          <a:xfrm>
+            <a:off x="1040761" y="482599"/>
+            <a:ext cx="8001000" cy="7478970"/>
+          </a:xfrm>
+          <a:prstGeom prst="rect">
+            <a:avLst/>
+          </a:prstGeom>
+          <a:noFill/>
+        </p:spPr>
+        <p:txBody>
+          <a:bodyPr wrap="square" rtlCol="0">
+            <a:spAutoFit/>
+          </a:bodyPr>
+          <a:lstStyle/>
+          <a:p>
+            <a:r>
+              <a:rPr lang="en-US" sz="2000" b="1" dirty="0"/>
               <a:t>Analysis of results</a:t>
             </a:r>
           </a:p>
@@ -6697,11 +6827,11 @@
             </a:r>
             <a:r>
               <a:rPr lang="en-US" sz="2000" b="1" dirty="0"/>
-              <a:t>original vocabulary </a:t>
+              <a:t>NB-BOW with Original Vocabulary </a:t>
             </a:r>
             <a:r>
               <a:rPr lang="en-US" sz="2000" dirty="0"/>
-              <a:t>had slightly better accuracy</a:t>
+              <a:t>had slightly better accuracy and performance than the filtered</a:t>
             </a:r>
           </a:p>
           <a:p>
@@ -6722,7 +6852,7 @@
             </a:r>
             <a:r>
               <a:rPr lang="en-US" sz="2000" b="1" dirty="0"/>
-              <a:t>filtered vocabulary </a:t>
+              <a:t>NB-BOW Filtered Vocabulary </a:t>
             </a:r>
             <a:r>
               <a:rPr lang="en-US" sz="2000" dirty="0"/>
@@ -6730,7 +6860,11 @@
             </a:r>
             <a:r>
               <a:rPr lang="en-US" sz="2000" b="1" dirty="0"/>
-              <a:t>almost the same accuracy</a:t>
+              <a:t>almost the same accuracy </a:t>
+            </a:r>
+            <a:r>
+              <a:rPr lang="en-US" sz="2000" dirty="0"/>
+              <a:t>as the original vocabulary</a:t>
             </a:r>
           </a:p>
           <a:p>
@@ -6751,7 +6885,7 @@
             </a:r>
             <a:r>
               <a:rPr lang="en-US" sz="2000" b="1" dirty="0"/>
-              <a:t>doesn’t ensure better accuracy</a:t>
+              <a:t>didn’t ensure better accuracy</a:t>
             </a:r>
             <a:r>
               <a:rPr lang="en-US" sz="2000" dirty="0"/>
